--- a/presentation/presentaion-new.pptx
+++ b/presentation/presentaion-new.pptx
@@ -2909,7 +2909,7 @@
             <a:fld id="{D88033CD-1CCE-4D38-BBFC-D0E224B8D08A}" type="datetimeFigureOut">
               <a:rPr lang="ru-RU" smtClean="0"/>
               <a:pPr/>
-              <a:t>13.12.2012</a:t>
+              <a:t>14.12.2012</a:t>
             </a:fld>
             <a:endParaRPr lang="ru-RU"/>
           </a:p>
@@ -3076,7 +3076,7 @@
             <a:fld id="{D88033CD-1CCE-4D38-BBFC-D0E224B8D08A}" type="datetimeFigureOut">
               <a:rPr lang="ru-RU" smtClean="0"/>
               <a:pPr/>
-              <a:t>13.12.2012</a:t>
+              <a:t>14.12.2012</a:t>
             </a:fld>
             <a:endParaRPr lang="ru-RU"/>
           </a:p>
@@ -3253,7 +3253,7 @@
             <a:fld id="{D88033CD-1CCE-4D38-BBFC-D0E224B8D08A}" type="datetimeFigureOut">
               <a:rPr lang="ru-RU" smtClean="0"/>
               <a:pPr/>
-              <a:t>13.12.2012</a:t>
+              <a:t>14.12.2012</a:t>
             </a:fld>
             <a:endParaRPr lang="ru-RU"/>
           </a:p>
@@ -3424,7 +3424,7 @@
             <a:fld id="{D88033CD-1CCE-4D38-BBFC-D0E224B8D08A}" type="datetimeFigureOut">
               <a:rPr lang="ru-RU" smtClean="0"/>
               <a:pPr/>
-              <a:t>13.12.2012</a:t>
+              <a:t>14.12.2012</a:t>
             </a:fld>
             <a:endParaRPr lang="ru-RU"/>
           </a:p>
@@ -3881,7 +3881,7 @@
             <a:fld id="{D88033CD-1CCE-4D38-BBFC-D0E224B8D08A}" type="datetimeFigureOut">
               <a:rPr lang="ru-RU" smtClean="0"/>
               <a:pPr/>
-              <a:t>13.12.2012</a:t>
+              <a:t>14.12.2012</a:t>
             </a:fld>
             <a:endParaRPr lang="ru-RU"/>
           </a:p>
@@ -4147,7 +4147,7 @@
             <a:fld id="{D88033CD-1CCE-4D38-BBFC-D0E224B8D08A}" type="datetimeFigureOut">
               <a:rPr lang="ru-RU" smtClean="0"/>
               <a:pPr/>
-              <a:t>13.12.2012</a:t>
+              <a:t>14.12.2012</a:t>
             </a:fld>
             <a:endParaRPr lang="ru-RU"/>
           </a:p>
@@ -4523,7 +4523,7 @@
             <a:fld id="{D88033CD-1CCE-4D38-BBFC-D0E224B8D08A}" type="datetimeFigureOut">
               <a:rPr lang="ru-RU" smtClean="0"/>
               <a:pPr/>
-              <a:t>13.12.2012</a:t>
+              <a:t>14.12.2012</a:t>
             </a:fld>
             <a:endParaRPr lang="ru-RU"/>
           </a:p>
@@ -4647,7 +4647,7 @@
             <a:fld id="{D88033CD-1CCE-4D38-BBFC-D0E224B8D08A}" type="datetimeFigureOut">
               <a:rPr lang="ru-RU" smtClean="0"/>
               <a:pPr/>
-              <a:t>13.12.2012</a:t>
+              <a:t>14.12.2012</a:t>
             </a:fld>
             <a:endParaRPr lang="ru-RU"/>
           </a:p>
@@ -4739,7 +4739,7 @@
             <a:fld id="{D88033CD-1CCE-4D38-BBFC-D0E224B8D08A}" type="datetimeFigureOut">
               <a:rPr lang="ru-RU" smtClean="0"/>
               <a:pPr/>
-              <a:t>13.12.2012</a:t>
+              <a:t>14.12.2012</a:t>
             </a:fld>
             <a:endParaRPr lang="ru-RU"/>
           </a:p>
@@ -4990,7 +4990,7 @@
             <a:fld id="{D88033CD-1CCE-4D38-BBFC-D0E224B8D08A}" type="datetimeFigureOut">
               <a:rPr lang="ru-RU" smtClean="0"/>
               <a:pPr/>
-              <a:t>13.12.2012</a:t>
+              <a:t>14.12.2012</a:t>
             </a:fld>
             <a:endParaRPr lang="ru-RU"/>
           </a:p>
@@ -5251,7 +5251,7 @@
             <a:fld id="{D88033CD-1CCE-4D38-BBFC-D0E224B8D08A}" type="datetimeFigureOut">
               <a:rPr lang="ru-RU" smtClean="0"/>
               <a:pPr/>
-              <a:t>13.12.2012</a:t>
+              <a:t>14.12.2012</a:t>
             </a:fld>
             <a:endParaRPr lang="ru-RU"/>
           </a:p>
@@ -5657,7 +5657,7 @@
             <a:fld id="{D88033CD-1CCE-4D38-BBFC-D0E224B8D08A}" type="datetimeFigureOut">
               <a:rPr lang="ru-RU" smtClean="0"/>
               <a:pPr/>
-              <a:t>13.12.2012</a:t>
+              <a:t>14.12.2012</a:t>
             </a:fld>
             <a:endParaRPr lang="ru-RU"/>
           </a:p>
@@ -6207,11 +6207,7 @@
             </a:r>
             <a:r>
               <a:rPr lang="ru-RU" smtClean="0"/>
-              <a:t>2012 </a:t>
-            </a:r>
-            <a:r>
-              <a:rPr lang="ru-RU" smtClean="0"/>
-              <a:t>г.</a:t>
+              <a:t>2012 г.</a:t>
             </a:r>
             <a:endParaRPr lang="ru-RU" dirty="0"/>
           </a:p>
